--- a/Data Science resources/Programming in Python/Slides/Slide Unit 1/Anaconda distribution.pptx
+++ b/Data Science resources/Programming in Python/Slides/Slide Unit 1/Anaconda distribution.pptx
@@ -5550,42 +5550,131 @@
           <a:chExt cx="0" cy="0"/>
         </a:xfrm>
       </p:grpSpPr>
-      <p:pic>
-        <p:nvPicPr>
-          <p:cNvPr id="5" name="Picture 4">
+      <p:grpSp>
+        <p:nvGrpSpPr>
+          <p:cNvPr id="7" name="Group 6">
             <a:extLst>
               <a:ext uri="{FF2B5EF4-FFF2-40B4-BE49-F238E27FC236}">
-                <a16:creationId xmlns:a16="http://schemas.microsoft.com/office/drawing/2014/main" id="{73C5115E-CD3F-43DC-8219-13AC7387CE59}"/>
+                <a16:creationId xmlns:a16="http://schemas.microsoft.com/office/drawing/2014/main" id="{7282B096-5F00-08D8-B6AB-5E2780F208A3}"/>
               </a:ext>
             </a:extLst>
           </p:cNvPr>
-          <p:cNvPicPr>
-            <a:picLocks noChangeAspect="1"/>
-          </p:cNvPicPr>
+          <p:cNvGrpSpPr/>
           <p:nvPr/>
-        </p:nvPicPr>
-        <p:blipFill>
-          <a:blip r:embed="rId3">
-            <a:extLst>
-              <a:ext uri="{28A0092B-C50C-407E-A947-70E740481C1C}">
-                <a14:useLocalDpi xmlns:a14="http://schemas.microsoft.com/office/drawing/2010/main" val="0"/>
-              </a:ext>
-            </a:extLst>
-          </a:blip>
-          <a:stretch>
-            <a:fillRect/>
-          </a:stretch>
-        </p:blipFill>
-        <p:spPr>
+        </p:nvGrpSpPr>
+        <p:grpSpPr>
           <a:xfrm>
-            <a:off x="2218996" y="1132297"/>
+            <a:off x="2654890" y="1015120"/>
             <a:ext cx="6934200" cy="5200650"/>
+            <a:chOff x="2468241" y="350778"/>
+            <a:chExt cx="6934200" cy="5200650"/>
           </a:xfrm>
-          <a:prstGeom prst="rect">
-            <a:avLst/>
-          </a:prstGeom>
-        </p:spPr>
-      </p:pic>
+        </p:grpSpPr>
+        <p:pic>
+          <p:nvPicPr>
+            <p:cNvPr id="4" name="Picture 3">
+              <a:extLst>
+                <a:ext uri="{FF2B5EF4-FFF2-40B4-BE49-F238E27FC236}">
+                  <a16:creationId xmlns:a16="http://schemas.microsoft.com/office/drawing/2014/main" id="{4BE9CAF6-48A6-C83A-C712-98B89FFE3196}"/>
+                </a:ext>
+              </a:extLst>
+            </p:cNvPr>
+            <p:cNvPicPr>
+              <a:picLocks noChangeAspect="1"/>
+            </p:cNvPicPr>
+            <p:nvPr/>
+          </p:nvPicPr>
+          <p:blipFill>
+            <a:blip r:embed="rId3">
+              <a:extLst>
+                <a:ext uri="{28A0092B-C50C-407E-A947-70E740481C1C}">
+                  <a14:useLocalDpi xmlns:a14="http://schemas.microsoft.com/office/drawing/2010/main" val="0"/>
+                </a:ext>
+              </a:extLst>
+            </a:blip>
+            <a:stretch>
+              <a:fillRect/>
+            </a:stretch>
+          </p:blipFill>
+          <p:spPr>
+            <a:xfrm>
+              <a:off x="2468241" y="350778"/>
+              <a:ext cx="6934200" cy="5200650"/>
+            </a:xfrm>
+            <a:prstGeom prst="rect">
+              <a:avLst/>
+            </a:prstGeom>
+          </p:spPr>
+        </p:pic>
+        <p:sp>
+          <p:nvSpPr>
+            <p:cNvPr id="6" name="Rectangle 5">
+              <a:extLst>
+                <a:ext uri="{FF2B5EF4-FFF2-40B4-BE49-F238E27FC236}">
+                  <a16:creationId xmlns:a16="http://schemas.microsoft.com/office/drawing/2014/main" id="{FE133A69-C541-8C70-A326-5CD3A61174AC}"/>
+                </a:ext>
+              </a:extLst>
+            </p:cNvPr>
+            <p:cNvSpPr/>
+            <p:nvPr/>
+          </p:nvSpPr>
+          <p:spPr>
+            <a:xfrm>
+              <a:off x="4452257" y="3442138"/>
+              <a:ext cx="3145972" cy="359229"/>
+            </a:xfrm>
+            <a:prstGeom prst="rect">
+              <a:avLst/>
+            </a:prstGeom>
+            <a:solidFill>
+              <a:srgbClr val="FFEF66"/>
+            </a:solidFill>
+            <a:ln>
+              <a:noFill/>
+            </a:ln>
+          </p:spPr>
+          <p:style>
+            <a:lnRef idx="2">
+              <a:schemeClr val="accent1">
+                <a:shade val="15000"/>
+              </a:schemeClr>
+            </a:lnRef>
+            <a:fillRef idx="1">
+              <a:schemeClr val="accent1"/>
+            </a:fillRef>
+            <a:effectRef idx="0">
+              <a:schemeClr val="accent1"/>
+            </a:effectRef>
+            <a:fontRef idx="minor">
+              <a:schemeClr val="lt1"/>
+            </a:fontRef>
+          </p:style>
+          <p:txBody>
+            <a:bodyPr rtlCol="0" anchor="ctr"/>
+            <a:lstStyle/>
+            <a:p>
+              <a:pPr algn="ctr"/>
+              <a:r>
+                <a:rPr lang="en-US" sz="2000" b="1" dirty="0">
+                  <a:solidFill>
+                    <a:schemeClr val="tx1"/>
+                  </a:solidFill>
+                  <a:latin typeface="Arial" panose="020B0604020202020204" pitchFamily="34" charset="0"/>
+                  <a:cs typeface="Arial" panose="020B0604020202020204" pitchFamily="34" charset="0"/>
+                </a:rPr>
+                <a:t>Thank you for Listening!</a:t>
+              </a:r>
+              <a:endParaRPr lang="en-NG" sz="2000" b="1" dirty="0">
+                <a:solidFill>
+                  <a:schemeClr val="tx1"/>
+                </a:solidFill>
+                <a:latin typeface="Arial" panose="020B0604020202020204" pitchFamily="34" charset="0"/>
+                <a:cs typeface="Arial" panose="020B0604020202020204" pitchFamily="34" charset="0"/>
+              </a:endParaRPr>
+            </a:p>
+          </p:txBody>
+        </p:sp>
+      </p:grpSp>
     </p:spTree>
     <p:extLst>
       <p:ext uri="{BB962C8B-B14F-4D97-AF65-F5344CB8AC3E}">
@@ -9408,15 +9497,6 @@
 </file>
 
 <file path=customXml/item1.xml><?xml version="1.0" encoding="utf-8"?>
-<?mso-contentType ?>
-<FormTemplates xmlns="http://schemas.microsoft.com/sharepoint/v3/contenttype/forms">
-  <Display>DocumentLibraryForm</Display>
-  <Edit>DocumentLibraryForm</Edit>
-  <New>DocumentLibraryForm</New>
-</FormTemplates>
-</file>
-
-<file path=customXml/item2.xml><?xml version="1.0" encoding="utf-8"?>
 <ct:contentTypeSchema xmlns:ct="http://schemas.microsoft.com/office/2006/metadata/contentType" xmlns:ma="http://schemas.microsoft.com/office/2006/metadata/properties/metaAttributes" ct:_="" ma:_="" ma:contentTypeName="Document" ma:contentTypeID="0x010100319A35104FAE2A48B18B518F397B7CA4" ma:contentTypeVersion="11" ma:contentTypeDescription="Create a new document." ma:contentTypeScope="" ma:versionID="818dfa9a4b3d3bceb1a965a71e647ec2">
   <xsd:schema xmlns:xsd="http://www.w3.org/2001/XMLSchema" xmlns:xs="http://www.w3.org/2001/XMLSchema" xmlns:p="http://schemas.microsoft.com/office/2006/metadata/properties" xmlns:ns2="0931f5f7-8e4d-4a45-a9a6-891693687166" xmlns:ns3="ea0113d3-9d6b-407b-8175-bd70f3cf5591" targetNamespace="http://schemas.microsoft.com/office/2006/metadata/properties" ma:root="true" ma:fieldsID="449ed37a8757c5d6b7757d0e4c8f3a2b" ns2:_="" ns3:_="">
     <xsd:import namespace="0931f5f7-8e4d-4a45-a9a6-891693687166"/>
@@ -9627,6 +9707,15 @@
 </ct:contentTypeSchema>
 </file>
 
+<file path=customXml/item2.xml><?xml version="1.0" encoding="utf-8"?>
+<?mso-contentType ?>
+<FormTemplates xmlns="http://schemas.microsoft.com/sharepoint/v3/contenttype/forms">
+  <Display>DocumentLibraryForm</Display>
+  <Edit>DocumentLibraryForm</Edit>
+  <New>DocumentLibraryForm</New>
+</FormTemplates>
+</file>
+
 <file path=customXml/item3.xml><?xml version="1.0" encoding="utf-8"?>
 <p:properties xmlns:p="http://schemas.microsoft.com/office/2006/metadata/properties" xmlns:xsi="http://www.w3.org/2001/XMLSchema-instance" xmlns:pc="http://schemas.microsoft.com/office/infopath/2007/PartnerControls">
   <documentManagement/>
@@ -9634,14 +9723,6 @@
 </file>
 
 <file path=customXml/itemProps1.xml><?xml version="1.0" encoding="utf-8"?>
-<ds:datastoreItem xmlns:ds="http://schemas.openxmlformats.org/officeDocument/2006/customXml" ds:itemID="{950F9D87-7CA7-4A94-A5E5-A374AFD83891}">
-  <ds:schemaRefs>
-    <ds:schemaRef ds:uri="http://schemas.microsoft.com/sharepoint/v3/contenttype/forms"/>
-  </ds:schemaRefs>
-</ds:datastoreItem>
-</file>
-
-<file path=customXml/itemProps2.xml><?xml version="1.0" encoding="utf-8"?>
 <ds:datastoreItem xmlns:ds="http://schemas.openxmlformats.org/officeDocument/2006/customXml" ds:itemID="{DF1A254C-4026-4073-B28E-6230090BFEFF}">
   <ds:schemaRefs>
     <ds:schemaRef ds:uri="http://schemas.microsoft.com/office/2006/metadata/contentType"/>
@@ -9660,6 +9741,14 @@
 </ds:datastoreItem>
 </file>
 
+<file path=customXml/itemProps2.xml><?xml version="1.0" encoding="utf-8"?>
+<ds:datastoreItem xmlns:ds="http://schemas.openxmlformats.org/officeDocument/2006/customXml" ds:itemID="{950F9D87-7CA7-4A94-A5E5-A374AFD83891}">
+  <ds:schemaRefs>
+    <ds:schemaRef ds:uri="http://schemas.microsoft.com/sharepoint/v3/contenttype/forms"/>
+  </ds:schemaRefs>
+</ds:datastoreItem>
+</file>
+
 <file path=customXml/itemProps3.xml><?xml version="1.0" encoding="utf-8"?>
 <ds:datastoreItem xmlns:ds="http://schemas.openxmlformats.org/officeDocument/2006/customXml" ds:itemID="{C728879B-660B-4583-928D-55E828E68493}">
   <ds:schemaRefs>

--- a/Data Science resources/Programming in Python/Slides/Slide Unit 1/Anaconda distribution.pptx
+++ b/Data Science resources/Programming in Python/Slides/Slide Unit 1/Anaconda distribution.pptx
@@ -5550,131 +5550,36 @@
           <a:chExt cx="0" cy="0"/>
         </a:xfrm>
       </p:grpSpPr>
-      <p:grpSp>
-        <p:nvGrpSpPr>
-          <p:cNvPr id="7" name="Group 6">
+      <p:pic>
+        <p:nvPicPr>
+          <p:cNvPr id="2" name="Picture 1">
             <a:extLst>
               <a:ext uri="{FF2B5EF4-FFF2-40B4-BE49-F238E27FC236}">
-                <a16:creationId xmlns:a16="http://schemas.microsoft.com/office/drawing/2014/main" id="{7282B096-5F00-08D8-B6AB-5E2780F208A3}"/>
+                <a16:creationId xmlns:a16="http://schemas.microsoft.com/office/drawing/2014/main" id="{47CA6449-4D91-1ED5-71DC-3DAB8683B494}"/>
               </a:ext>
             </a:extLst>
           </p:cNvPr>
-          <p:cNvGrpSpPr/>
+          <p:cNvPicPr>
+            <a:picLocks noChangeAspect="1"/>
+          </p:cNvPicPr>
           <p:nvPr/>
-        </p:nvGrpSpPr>
-        <p:grpSpPr>
+        </p:nvPicPr>
+        <p:blipFill>
+          <a:blip r:embed="rId3"/>
+          <a:stretch>
+            <a:fillRect/>
+          </a:stretch>
+        </p:blipFill>
+        <p:spPr>
           <a:xfrm>
-            <a:off x="2654890" y="1015120"/>
-            <a:ext cx="6934200" cy="5200650"/>
-            <a:chOff x="2468241" y="350778"/>
-            <a:chExt cx="6934200" cy="5200650"/>
+            <a:off x="2311623" y="928608"/>
+            <a:ext cx="6937849" cy="5200339"/>
           </a:xfrm>
-        </p:grpSpPr>
-        <p:pic>
-          <p:nvPicPr>
-            <p:cNvPr id="4" name="Picture 3">
-              <a:extLst>
-                <a:ext uri="{FF2B5EF4-FFF2-40B4-BE49-F238E27FC236}">
-                  <a16:creationId xmlns:a16="http://schemas.microsoft.com/office/drawing/2014/main" id="{4BE9CAF6-48A6-C83A-C712-98B89FFE3196}"/>
-                </a:ext>
-              </a:extLst>
-            </p:cNvPr>
-            <p:cNvPicPr>
-              <a:picLocks noChangeAspect="1"/>
-            </p:cNvPicPr>
-            <p:nvPr/>
-          </p:nvPicPr>
-          <p:blipFill>
-            <a:blip r:embed="rId3">
-              <a:extLst>
-                <a:ext uri="{28A0092B-C50C-407E-A947-70E740481C1C}">
-                  <a14:useLocalDpi xmlns:a14="http://schemas.microsoft.com/office/drawing/2010/main" val="0"/>
-                </a:ext>
-              </a:extLst>
-            </a:blip>
-            <a:stretch>
-              <a:fillRect/>
-            </a:stretch>
-          </p:blipFill>
-          <p:spPr>
-            <a:xfrm>
-              <a:off x="2468241" y="350778"/>
-              <a:ext cx="6934200" cy="5200650"/>
-            </a:xfrm>
-            <a:prstGeom prst="rect">
-              <a:avLst/>
-            </a:prstGeom>
-          </p:spPr>
-        </p:pic>
-        <p:sp>
-          <p:nvSpPr>
-            <p:cNvPr id="6" name="Rectangle 5">
-              <a:extLst>
-                <a:ext uri="{FF2B5EF4-FFF2-40B4-BE49-F238E27FC236}">
-                  <a16:creationId xmlns:a16="http://schemas.microsoft.com/office/drawing/2014/main" id="{FE133A69-C541-8C70-A326-5CD3A61174AC}"/>
-                </a:ext>
-              </a:extLst>
-            </p:cNvPr>
-            <p:cNvSpPr/>
-            <p:nvPr/>
-          </p:nvSpPr>
-          <p:spPr>
-            <a:xfrm>
-              <a:off x="4452257" y="3442138"/>
-              <a:ext cx="3145972" cy="359229"/>
-            </a:xfrm>
-            <a:prstGeom prst="rect">
-              <a:avLst/>
-            </a:prstGeom>
-            <a:solidFill>
-              <a:srgbClr val="FFEF66"/>
-            </a:solidFill>
-            <a:ln>
-              <a:noFill/>
-            </a:ln>
-          </p:spPr>
-          <p:style>
-            <a:lnRef idx="2">
-              <a:schemeClr val="accent1">
-                <a:shade val="15000"/>
-              </a:schemeClr>
-            </a:lnRef>
-            <a:fillRef idx="1">
-              <a:schemeClr val="accent1"/>
-            </a:fillRef>
-            <a:effectRef idx="0">
-              <a:schemeClr val="accent1"/>
-            </a:effectRef>
-            <a:fontRef idx="minor">
-              <a:schemeClr val="lt1"/>
-            </a:fontRef>
-          </p:style>
-          <p:txBody>
-            <a:bodyPr rtlCol="0" anchor="ctr"/>
-            <a:lstStyle/>
-            <a:p>
-              <a:pPr algn="ctr"/>
-              <a:r>
-                <a:rPr lang="en-US" sz="2000" b="1" dirty="0">
-                  <a:solidFill>
-                    <a:schemeClr val="tx1"/>
-                  </a:solidFill>
-                  <a:latin typeface="Arial" panose="020B0604020202020204" pitchFamily="34" charset="0"/>
-                  <a:cs typeface="Arial" panose="020B0604020202020204" pitchFamily="34" charset="0"/>
-                </a:rPr>
-                <a:t>Thank you for Listening!</a:t>
-              </a:r>
-              <a:endParaRPr lang="en-NG" sz="2000" b="1" dirty="0">
-                <a:solidFill>
-                  <a:schemeClr val="tx1"/>
-                </a:solidFill>
-                <a:latin typeface="Arial" panose="020B0604020202020204" pitchFamily="34" charset="0"/>
-                <a:cs typeface="Arial" panose="020B0604020202020204" pitchFamily="34" charset="0"/>
-              </a:endParaRPr>
-            </a:p>
-          </p:txBody>
-        </p:sp>
-      </p:grpSp>
+          <a:prstGeom prst="rect">
+            <a:avLst/>
+          </a:prstGeom>
+        </p:spPr>
+      </p:pic>
     </p:spTree>
     <p:extLst>
       <p:ext uri="{BB962C8B-B14F-4D97-AF65-F5344CB8AC3E}">
@@ -5825,7 +5730,7 @@
             <a:r>
               <a:rPr lang="en-US" sz="2800" b="0" dirty="0">
                 <a:effectLst/>
-                <a:latin typeface="Times New Roman" panose="02020603050405020304" pitchFamily="18" charset="0"/>
+                <a:latin typeface="+mj-lt"/>
                 <a:ea typeface="Times New Roman" panose="02020603050405020304" pitchFamily="18" charset="0"/>
                 <a:cs typeface="Times New Roman" panose="02020603050405020304" pitchFamily="18" charset="0"/>
               </a:rPr>
@@ -5833,7 +5738,7 @@
             </a:r>
             <a:endParaRPr lang="en-US" sz="2800" b="1" dirty="0">
               <a:effectLst/>
-              <a:latin typeface="Times New Roman" panose="02020603050405020304" pitchFamily="18" charset="0"/>
+              <a:latin typeface="+mj-lt"/>
               <a:ea typeface="Calibri" panose="020F0502020204030204" pitchFamily="34" charset="0"/>
               <a:cs typeface="Arial" panose="020B0604020202020204" pitchFamily="34" charset="0"/>
             </a:endParaRPr>
